--- a/Presentation/Kaggle Zillow Price.pptx
+++ b/Presentation/Kaggle Zillow Price.pptx
@@ -202,7 +202,7 @@
                 <a:latin typeface="Century Gothic" pitchFamily="34" charset="0"/>
               </a:rPr>
               <a:pPr/>
-              <a:t>14/08/2017</a:t>
+              <a:t>15/08/2017</a:t>
             </a:fld>
             <a:endParaRPr lang="fr-FR">
               <a:latin typeface="Century Gothic" pitchFamily="34" charset="0"/>
@@ -381,7 +381,7 @@
             <a:fld id="{FDCDEFE6-5B54-4838-86E6-97123BEF1300}" type="datetimeFigureOut">
               <a:rPr lang="fr-FR" smtClean="0"/>
               <a:pPr/>
-              <a:t>14/08/2017</a:t>
+              <a:t>15/08/2017</a:t>
             </a:fld>
             <a:endParaRPr lang="fr-FR"/>
           </a:p>
@@ -10578,7 +10578,7 @@
       </p:sp>
       <p:sp>
         <p:nvSpPr>
-          <p:cNvPr id="26" name="Rectangle 25"/>
+          <p:cNvPr id="19" name="Rectangle 18"/>
           <p:cNvSpPr/>
           <p:nvPr/>
         </p:nvSpPr>
@@ -10621,7 +10621,15 @@
                   <a:schemeClr val="tx1"/>
                 </a:solidFill>
               </a:rPr>
-              <a:t>.Building 3 </a:t>
+              <a:t>.</a:t>
+            </a:r>
+            <a:r>
+              <a:rPr lang="fr-FR" sz="1400" dirty="0" smtClean="0">
+                <a:solidFill>
+                  <a:schemeClr val="tx1"/>
+                </a:solidFill>
+              </a:rPr>
+              <a:t>Initial </a:t>
             </a:r>
             <a:r>
               <a:rPr lang="fr-FR" sz="1400" dirty="0" err="1" smtClean="0">
@@ -10629,7 +10637,7 @@
                   <a:schemeClr val="tx1"/>
                 </a:solidFill>
               </a:rPr>
-              <a:t>different</a:t>
+              <a:t>guest</a:t>
             </a:r>
             <a:r>
               <a:rPr lang="fr-FR" sz="1400" dirty="0" smtClean="0">
@@ -10637,6 +10645,38 @@
                   <a:schemeClr val="tx1"/>
                 </a:solidFill>
               </a:rPr>
+              <a:t>: </a:t>
+            </a:r>
+            <a:r>
+              <a:rPr lang="fr-FR" sz="1400" dirty="0" err="1" smtClean="0">
+                <a:solidFill>
+                  <a:schemeClr val="tx1"/>
+                </a:solidFill>
+              </a:rPr>
+              <a:t>Zillow</a:t>
+            </a:r>
+            <a:r>
+              <a:rPr lang="fr-FR" sz="1400" dirty="0" smtClean="0">
+                <a:solidFill>
+                  <a:schemeClr val="tx1"/>
+                </a:solidFill>
+              </a:rPr>
+              <a:t> model </a:t>
+            </a:r>
+            <a:r>
+              <a:rPr lang="fr-FR" sz="1400" dirty="0" err="1" smtClean="0">
+                <a:solidFill>
+                  <a:schemeClr val="tx1"/>
+                </a:solidFill>
+              </a:rPr>
+              <a:t>already</a:t>
+            </a:r>
+            <a:r>
+              <a:rPr lang="fr-FR" sz="1400" dirty="0" smtClean="0">
+                <a:solidFill>
+                  <a:schemeClr val="tx1"/>
+                </a:solidFill>
+              </a:rPr>
               <a:t> </a:t>
             </a:r>
             <a:r>
@@ -10645,7 +10685,7 @@
                   <a:schemeClr val="tx1"/>
                 </a:solidFill>
               </a:rPr>
-              <a:t>models</a:t>
+              <a:t>doing</a:t>
             </a:r>
             <a:r>
               <a:rPr lang="fr-FR" sz="1400" dirty="0" smtClean="0">
@@ -10653,7 +10693,7 @@
                   <a:schemeClr val="tx1"/>
                 </a:solidFill>
               </a:rPr>
-              <a:t> for 3 </a:t>
+              <a:t> </a:t>
             </a:r>
             <a:r>
               <a:rPr lang="fr-FR" sz="1400" dirty="0" err="1" smtClean="0">
@@ -10661,7 +10701,7 @@
                   <a:schemeClr val="tx1"/>
                 </a:solidFill>
               </a:rPr>
-              <a:t>different</a:t>
+              <a:t>well</a:t>
             </a:r>
             <a:r>
               <a:rPr lang="fr-FR" sz="1400" dirty="0" smtClean="0">
@@ -10669,7 +10709,7 @@
                   <a:schemeClr val="tx1"/>
                 </a:solidFill>
               </a:rPr>
-              <a:t> </a:t>
+              <a:t> on the </a:t>
             </a:r>
             <a:r>
               <a:rPr lang="fr-FR" sz="1400" dirty="0" err="1" smtClean="0">
@@ -10677,7 +10717,7 @@
                   <a:schemeClr val="tx1"/>
                 </a:solidFill>
               </a:rPr>
-              <a:t>cities</a:t>
+              <a:t>traditional</a:t>
             </a:r>
             <a:r>
               <a:rPr lang="fr-FR" sz="1400" dirty="0" smtClean="0">
@@ -10685,119 +10725,7 @@
                   <a:schemeClr val="tx1"/>
                 </a:solidFill>
               </a:rPr>
-              <a:t>, as the impact of </a:t>
-            </a:r>
-            <a:r>
-              <a:rPr lang="fr-FR" sz="1400" dirty="0" err="1" smtClean="0">
-                <a:solidFill>
-                  <a:schemeClr val="tx1"/>
-                </a:solidFill>
-              </a:rPr>
-              <a:t>each</a:t>
-            </a:r>
-            <a:r>
-              <a:rPr lang="fr-FR" sz="1400" dirty="0" smtClean="0">
-                <a:solidFill>
-                  <a:schemeClr val="tx1"/>
-                </a:solidFill>
-              </a:rPr>
-              <a:t> </a:t>
-            </a:r>
-            <a:r>
-              <a:rPr lang="fr-FR" sz="1400" dirty="0" err="1" smtClean="0">
-                <a:solidFill>
-                  <a:schemeClr val="tx1"/>
-                </a:solidFill>
-              </a:rPr>
-              <a:t>predictor</a:t>
-            </a:r>
-            <a:r>
-              <a:rPr lang="fr-FR" sz="1400" dirty="0" smtClean="0">
-                <a:solidFill>
-                  <a:schemeClr val="tx1"/>
-                </a:solidFill>
-              </a:rPr>
-              <a:t> on the </a:t>
-            </a:r>
-            <a:r>
-              <a:rPr lang="fr-FR" sz="1400" dirty="0" err="1" smtClean="0">
-                <a:solidFill>
-                  <a:schemeClr val="tx1"/>
-                </a:solidFill>
-              </a:rPr>
-              <a:t>price</a:t>
-            </a:r>
-            <a:r>
-              <a:rPr lang="fr-FR" sz="1400" dirty="0" smtClean="0">
-                <a:solidFill>
-                  <a:schemeClr val="tx1"/>
-                </a:solidFill>
-              </a:rPr>
-              <a:t> </a:t>
-            </a:r>
-            <a:r>
-              <a:rPr lang="fr-FR" sz="1400" dirty="0" err="1" smtClean="0">
-                <a:solidFill>
-                  <a:schemeClr val="tx1"/>
-                </a:solidFill>
-              </a:rPr>
-              <a:t>is</a:t>
-            </a:r>
-            <a:r>
-              <a:rPr lang="fr-FR" sz="1400" dirty="0" smtClean="0">
-                <a:solidFill>
-                  <a:schemeClr val="tx1"/>
-                </a:solidFill>
-              </a:rPr>
-              <a:t> not the </a:t>
-            </a:r>
-            <a:r>
-              <a:rPr lang="fr-FR" sz="1400" dirty="0" err="1" smtClean="0">
-                <a:solidFill>
-                  <a:schemeClr val="tx1"/>
-                </a:solidFill>
-              </a:rPr>
-              <a:t>same</a:t>
-            </a:r>
-            <a:r>
-              <a:rPr lang="fr-FR" sz="1400" dirty="0" smtClean="0">
-                <a:solidFill>
-                  <a:schemeClr val="tx1"/>
-                </a:solidFill>
-              </a:rPr>
-              <a:t> </a:t>
-            </a:r>
-            <a:r>
-              <a:rPr lang="fr-FR" sz="1400" dirty="0" err="1" smtClean="0">
-                <a:solidFill>
-                  <a:schemeClr val="tx1"/>
-                </a:solidFill>
-              </a:rPr>
-              <a:t>between</a:t>
-            </a:r>
-            <a:r>
-              <a:rPr lang="fr-FR" sz="1400" dirty="0" smtClean="0">
-                <a:solidFill>
-                  <a:schemeClr val="tx1"/>
-                </a:solidFill>
-              </a:rPr>
-              <a:t> </a:t>
-            </a:r>
-            <a:r>
-              <a:rPr lang="fr-FR" sz="1400" dirty="0" err="1" smtClean="0">
-                <a:solidFill>
-                  <a:schemeClr val="tx1"/>
-                </a:solidFill>
-              </a:rPr>
-              <a:t>each</a:t>
-            </a:r>
-            <a:r>
-              <a:rPr lang="fr-FR" sz="1400" dirty="0" smtClean="0">
-                <a:solidFill>
-                  <a:schemeClr val="tx1"/>
-                </a:solidFill>
-              </a:rPr>
-              <a:t> city.</a:t>
+              <a:t> variables (not the longitude and latitude). </a:t>
             </a:r>
           </a:p>
           <a:p>
@@ -10811,7 +10739,7 @@
                   <a:schemeClr val="tx1"/>
                 </a:solidFill>
               </a:rPr>
-              <a:t>Building n </a:t>
+              <a:t>So </a:t>
             </a:r>
             <a:r>
               <a:rPr lang="fr-FR" sz="1400" dirty="0" err="1" smtClean="0">
@@ -10819,7 +10747,7 @@
                   <a:schemeClr val="tx1"/>
                 </a:solidFill>
               </a:rPr>
-              <a:t>models</a:t>
+              <a:t>we</a:t>
             </a:r>
             <a:r>
               <a:rPr lang="fr-FR" sz="1400" dirty="0" smtClean="0">
@@ -10827,7 +10755,7 @@
                   <a:schemeClr val="tx1"/>
                 </a:solidFill>
               </a:rPr>
-              <a:t> for n clusters </a:t>
+              <a:t> </a:t>
             </a:r>
             <a:r>
               <a:rPr lang="fr-FR" sz="1400" dirty="0" err="1" smtClean="0">
@@ -10835,7 +10763,7 @@
                   <a:schemeClr val="tx1"/>
                 </a:solidFill>
               </a:rPr>
-              <a:t>build</a:t>
+              <a:t>can</a:t>
             </a:r>
             <a:r>
               <a:rPr lang="fr-FR" sz="1400" dirty="0" smtClean="0">
@@ -10843,22 +10771,151 @@
                   <a:schemeClr val="tx1"/>
                 </a:solidFill>
               </a:rPr>
-              <a:t> in the </a:t>
-            </a:r>
-            <a:r>
-              <a:rPr lang="fr-FR" sz="1400" b="1" dirty="0" smtClean="0">
-                <a:solidFill>
-                  <a:schemeClr val="tx2"/>
-                </a:solidFill>
-              </a:rPr>
-              <a:t>[3]</a:t>
-            </a:r>
-          </a:p>
-        </p:txBody>
-      </p:sp>
-      <p:sp>
-        <p:nvSpPr>
-          <p:cNvPr id="27" name="ZoneTexte 26"/>
+              <a:t>:</a:t>
+            </a:r>
+          </a:p>
+          <a:p>
+            <a:pPr marL="539750" lvl="1" indent="-82550">
+              <a:buFont typeface="Arial" panose="020B0604020202020204" pitchFamily="34" charset="0"/>
+              <a:buChar char="•"/>
+            </a:pPr>
+            <a:r>
+              <a:rPr lang="fr-FR" sz="1400" dirty="0">
+                <a:solidFill>
+                  <a:schemeClr val="tx1"/>
+                </a:solidFill>
+              </a:rPr>
+              <a:t> </a:t>
+            </a:r>
+            <a:r>
+              <a:rPr lang="fr-FR" sz="1200" dirty="0" smtClean="0">
+                <a:solidFill>
+                  <a:schemeClr val="tx1"/>
+                </a:solidFill>
+              </a:rPr>
+              <a:t>First, fit all the </a:t>
+            </a:r>
+            <a:r>
+              <a:rPr lang="fr-FR" sz="1200" dirty="0" err="1" smtClean="0">
+                <a:solidFill>
+                  <a:schemeClr val="tx1"/>
+                </a:solidFill>
+              </a:rPr>
+              <a:t>traditional</a:t>
+            </a:r>
+            <a:r>
+              <a:rPr lang="fr-FR" sz="1200" dirty="0" smtClean="0">
+                <a:solidFill>
+                  <a:schemeClr val="tx1"/>
+                </a:solidFill>
+              </a:rPr>
+              <a:t> variables to the </a:t>
+            </a:r>
+            <a:r>
+              <a:rPr lang="fr-FR" sz="1200" dirty="0" err="1" smtClean="0">
+                <a:solidFill>
+                  <a:schemeClr val="tx1"/>
+                </a:solidFill>
+              </a:rPr>
+              <a:t>zestimate</a:t>
+            </a:r>
+            <a:r>
+              <a:rPr lang="fr-FR" sz="1200" dirty="0" smtClean="0">
+                <a:solidFill>
+                  <a:schemeClr val="tx1"/>
+                </a:solidFill>
+              </a:rPr>
+              <a:t> </a:t>
+            </a:r>
+            <a:r>
+              <a:rPr lang="fr-FR" sz="1200" dirty="0" err="1" smtClean="0">
+                <a:solidFill>
+                  <a:schemeClr val="tx1"/>
+                </a:solidFill>
+              </a:rPr>
+              <a:t>residuals</a:t>
+            </a:r>
+            <a:r>
+              <a:rPr lang="fr-FR" sz="1200" dirty="0" smtClean="0">
+                <a:solidFill>
+                  <a:schemeClr val="tx1"/>
+                </a:solidFill>
+              </a:rPr>
+              <a:t> to </a:t>
+            </a:r>
+            <a:r>
+              <a:rPr lang="fr-FR" sz="1200" dirty="0" err="1" smtClean="0">
+                <a:solidFill>
+                  <a:schemeClr val="tx1"/>
+                </a:solidFill>
+              </a:rPr>
+              <a:t>complete</a:t>
+            </a:r>
+            <a:r>
+              <a:rPr lang="fr-FR" sz="1200" dirty="0" smtClean="0">
+                <a:solidFill>
+                  <a:schemeClr val="tx1"/>
+                </a:solidFill>
+              </a:rPr>
+              <a:t> </a:t>
+            </a:r>
+            <a:r>
+              <a:rPr lang="fr-FR" sz="1200" dirty="0" err="1" smtClean="0">
+                <a:solidFill>
+                  <a:schemeClr val="tx1"/>
+                </a:solidFill>
+              </a:rPr>
+              <a:t>Zillow</a:t>
+            </a:r>
+            <a:r>
+              <a:rPr lang="fr-FR" sz="1200" dirty="0" smtClean="0">
+                <a:solidFill>
+                  <a:schemeClr val="tx1"/>
+                </a:solidFill>
+              </a:rPr>
+              <a:t> model</a:t>
+            </a:r>
+          </a:p>
+          <a:p>
+            <a:pPr marL="539750" lvl="1" indent="-82550">
+              <a:buFont typeface="Arial" panose="020B0604020202020204" pitchFamily="34" charset="0"/>
+              <a:buChar char="•"/>
+            </a:pPr>
+            <a:r>
+              <a:rPr lang="fr-FR" sz="1200" dirty="0" smtClean="0">
+                <a:solidFill>
+                  <a:schemeClr val="tx1"/>
+                </a:solidFill>
+              </a:rPr>
+              <a:t> Fit the second model </a:t>
+            </a:r>
+            <a:r>
+              <a:rPr lang="fr-FR" sz="1200" dirty="0" err="1" smtClean="0">
+                <a:solidFill>
+                  <a:schemeClr val="tx1"/>
+                </a:solidFill>
+              </a:rPr>
+              <a:t>only</a:t>
+            </a:r>
+            <a:r>
+              <a:rPr lang="fr-FR" sz="1200" dirty="0" smtClean="0">
+                <a:solidFill>
+                  <a:schemeClr val="tx1"/>
+                </a:solidFill>
+              </a:rPr>
+              <a:t> on longitude &amp; latitude</a:t>
+            </a:r>
+            <a:endParaRPr lang="fr-FR" sz="1200" dirty="0" smtClean="0">
+              <a:solidFill>
+                <a:schemeClr val="tx2"/>
+              </a:solidFill>
+            </a:endParaRPr>
+          </a:p>
+        </p:txBody>
+      </p:sp>
+      <p:sp>
+        <p:nvSpPr>
+          <p:cNvPr id="20" name="ZoneTexte 19"/>
           <p:cNvSpPr txBox="1"/>
           <p:nvPr/>
         </p:nvSpPr>
@@ -11046,7 +11103,7 @@
         </p:nvSpPr>
         <p:spPr>
           <a:xfrm>
-            <a:off x="724391" y="1648690"/>
+            <a:off x="5665514" y="1373575"/>
             <a:ext cx="4001987" cy="1830780"/>
           </a:xfrm>
           <a:prstGeom prst="rect">
@@ -11399,7 +11456,7 @@
         </p:nvSpPr>
         <p:spPr>
           <a:xfrm>
-            <a:off x="724392" y="1340913"/>
+            <a:off x="5665515" y="1065798"/>
             <a:ext cx="2838203" cy="246221"/>
           </a:xfrm>
           <a:prstGeom prst="rect">
@@ -11421,7 +11478,7 @@
                 <a:latin typeface="Arial" pitchFamily="34" charset="0"/>
                 <a:cs typeface="Arial" pitchFamily="34" charset="0"/>
               </a:rPr>
-              <a:t>6</a:t>
+              <a:t>7</a:t>
             </a:r>
             <a:r>
               <a:rPr lang="fr-FR" sz="1600" b="1" dirty="0" smtClean="0">
@@ -11431,8 +11488,35 @@
                 <a:latin typeface="Arial" pitchFamily="34" charset="0"/>
                 <a:cs typeface="Arial" pitchFamily="34" charset="0"/>
               </a:rPr>
-              <a:t>.Modelling phase 3</a:t>
-            </a:r>
+              <a:t>.Modelling </a:t>
+            </a:r>
+            <a:r>
+              <a:rPr lang="fr-FR" sz="1600" b="1" dirty="0" smtClean="0">
+                <a:solidFill>
+                  <a:schemeClr val="tx2"/>
+                </a:solidFill>
+                <a:latin typeface="Arial" pitchFamily="34" charset="0"/>
+                <a:cs typeface="Arial" pitchFamily="34" charset="0"/>
+              </a:rPr>
+              <a:t>phase </a:t>
+            </a:r>
+            <a:r>
+              <a:rPr lang="fr-FR" sz="1600" b="1" dirty="0" smtClean="0">
+                <a:solidFill>
+                  <a:schemeClr val="tx2"/>
+                </a:solidFill>
+                <a:latin typeface="Arial" pitchFamily="34" charset="0"/>
+                <a:cs typeface="Arial" pitchFamily="34" charset="0"/>
+              </a:rPr>
+              <a:t>4</a:t>
+            </a:r>
+            <a:endParaRPr lang="fr-FR" sz="1600" b="1" dirty="0" smtClean="0">
+              <a:solidFill>
+                <a:schemeClr val="tx2"/>
+              </a:solidFill>
+              <a:latin typeface="Arial" pitchFamily="34" charset="0"/>
+              <a:cs typeface="Arial" pitchFamily="34" charset="0"/>
+            </a:endParaRPr>
           </a:p>
         </p:txBody>
       </p:sp>
@@ -11444,7 +11528,7 @@
         </p:nvSpPr>
         <p:spPr>
           <a:xfrm>
-            <a:off x="5571503" y="1648690"/>
+            <a:off x="783766" y="4241867"/>
             <a:ext cx="4190013" cy="1830780"/>
           </a:xfrm>
           <a:prstGeom prst="rect">
@@ -11863,7 +11947,7 @@
         </p:nvSpPr>
         <p:spPr>
           <a:xfrm>
-            <a:off x="5571504" y="1340913"/>
+            <a:off x="783767" y="3934090"/>
             <a:ext cx="3762501" cy="246221"/>
           </a:xfrm>
           <a:prstGeom prst="rect">
@@ -11885,7 +11969,7 @@
                 <a:latin typeface="Arial" pitchFamily="34" charset="0"/>
                 <a:cs typeface="Arial" pitchFamily="34" charset="0"/>
               </a:rPr>
-              <a:t>7</a:t>
+              <a:t>8</a:t>
             </a:r>
             <a:r>
               <a:rPr lang="fr-FR" sz="1600" b="1" dirty="0" smtClean="0">
@@ -11895,17 +11979,379 @@
                 <a:latin typeface="Arial" pitchFamily="34" charset="0"/>
                 <a:cs typeface="Arial" pitchFamily="34" charset="0"/>
               </a:rPr>
-              <a:t>.Modelling phase 4: </a:t>
-            </a:r>
-            <a:r>
-              <a:rPr lang="fr-FR" sz="1600" b="1" dirty="0" err="1" smtClean="0">
+              <a:t>.Modelling </a:t>
+            </a:r>
+            <a:r>
+              <a:rPr lang="fr-FR" sz="1600" b="1" dirty="0" smtClean="0">
                 <a:solidFill>
                   <a:schemeClr val="tx2"/>
                 </a:solidFill>
                 <a:latin typeface="Arial" pitchFamily="34" charset="0"/>
                 <a:cs typeface="Arial" pitchFamily="34" charset="0"/>
               </a:rPr>
+              <a:t>phase 4: </a:t>
+            </a:r>
+            <a:r>
+              <a:rPr lang="fr-FR" sz="1600" b="1" dirty="0" err="1" smtClean="0">
+                <a:solidFill>
+                  <a:schemeClr val="tx2"/>
+                </a:solidFill>
+                <a:latin typeface="Arial" pitchFamily="34" charset="0"/>
+                <a:cs typeface="Arial" pitchFamily="34" charset="0"/>
+              </a:rPr>
               <a:t>Stacking</a:t>
+            </a:r>
+            <a:endParaRPr lang="fr-FR" sz="1600" b="1" dirty="0" smtClean="0">
+              <a:solidFill>
+                <a:schemeClr val="tx2"/>
+              </a:solidFill>
+              <a:latin typeface="Arial" pitchFamily="34" charset="0"/>
+              <a:cs typeface="Arial" pitchFamily="34" charset="0"/>
+            </a:endParaRPr>
+          </a:p>
+        </p:txBody>
+      </p:sp>
+      <p:sp>
+        <p:nvSpPr>
+          <p:cNvPr id="10" name="Rectangle 9"/>
+          <p:cNvSpPr/>
+          <p:nvPr/>
+        </p:nvSpPr>
+        <p:spPr>
+          <a:xfrm>
+            <a:off x="783766" y="1494308"/>
+            <a:ext cx="3883234" cy="1710047"/>
+          </a:xfrm>
+          <a:prstGeom prst="rect">
+            <a:avLst/>
+          </a:prstGeom>
+          <a:noFill/>
+          <a:effectLst/>
+        </p:spPr>
+        <p:style>
+          <a:lnRef idx="1">
+            <a:schemeClr val="accent1"/>
+          </a:lnRef>
+          <a:fillRef idx="3">
+            <a:schemeClr val="accent1"/>
+          </a:fillRef>
+          <a:effectRef idx="2">
+            <a:schemeClr val="accent1"/>
+          </a:effectRef>
+          <a:fontRef idx="minor">
+            <a:schemeClr val="lt1"/>
+          </a:fontRef>
+        </p:style>
+        <p:txBody>
+          <a:bodyPr rtlCol="0" anchor="ctr"/>
+          <a:lstStyle/>
+          <a:p>
+            <a:pPr marL="82550" indent="-82550">
+              <a:buFont typeface="Arial" panose="020B0604020202020204" pitchFamily="34" charset="0"/>
+              <a:buChar char="•"/>
+            </a:pPr>
+            <a:r>
+              <a:rPr lang="fr-FR" sz="1400" dirty="0" smtClean="0">
+                <a:solidFill>
+                  <a:schemeClr val="tx1"/>
+                </a:solidFill>
+              </a:rPr>
+              <a:t>.Building 3 </a:t>
+            </a:r>
+            <a:r>
+              <a:rPr lang="fr-FR" sz="1400" dirty="0" err="1" smtClean="0">
+                <a:solidFill>
+                  <a:schemeClr val="tx1"/>
+                </a:solidFill>
+              </a:rPr>
+              <a:t>different</a:t>
+            </a:r>
+            <a:r>
+              <a:rPr lang="fr-FR" sz="1400" dirty="0" smtClean="0">
+                <a:solidFill>
+                  <a:schemeClr val="tx1"/>
+                </a:solidFill>
+              </a:rPr>
+              <a:t> </a:t>
+            </a:r>
+            <a:r>
+              <a:rPr lang="fr-FR" sz="1400" dirty="0" err="1" smtClean="0">
+                <a:solidFill>
+                  <a:schemeClr val="tx1"/>
+                </a:solidFill>
+              </a:rPr>
+              <a:t>models</a:t>
+            </a:r>
+            <a:r>
+              <a:rPr lang="fr-FR" sz="1400" dirty="0" smtClean="0">
+                <a:solidFill>
+                  <a:schemeClr val="tx1"/>
+                </a:solidFill>
+              </a:rPr>
+              <a:t> for 3 </a:t>
+            </a:r>
+            <a:r>
+              <a:rPr lang="fr-FR" sz="1400" dirty="0" err="1" smtClean="0">
+                <a:solidFill>
+                  <a:schemeClr val="tx1"/>
+                </a:solidFill>
+              </a:rPr>
+              <a:t>different</a:t>
+            </a:r>
+            <a:r>
+              <a:rPr lang="fr-FR" sz="1400" dirty="0" smtClean="0">
+                <a:solidFill>
+                  <a:schemeClr val="tx1"/>
+                </a:solidFill>
+              </a:rPr>
+              <a:t> </a:t>
+            </a:r>
+            <a:r>
+              <a:rPr lang="fr-FR" sz="1400" dirty="0" err="1" smtClean="0">
+                <a:solidFill>
+                  <a:schemeClr val="tx1"/>
+                </a:solidFill>
+              </a:rPr>
+              <a:t>cities</a:t>
+            </a:r>
+            <a:r>
+              <a:rPr lang="fr-FR" sz="1400" dirty="0" smtClean="0">
+                <a:solidFill>
+                  <a:schemeClr val="tx1"/>
+                </a:solidFill>
+              </a:rPr>
+              <a:t>, as the impact of </a:t>
+            </a:r>
+            <a:r>
+              <a:rPr lang="fr-FR" sz="1400" dirty="0" err="1" smtClean="0">
+                <a:solidFill>
+                  <a:schemeClr val="tx1"/>
+                </a:solidFill>
+              </a:rPr>
+              <a:t>each</a:t>
+            </a:r>
+            <a:r>
+              <a:rPr lang="fr-FR" sz="1400" dirty="0" smtClean="0">
+                <a:solidFill>
+                  <a:schemeClr val="tx1"/>
+                </a:solidFill>
+              </a:rPr>
+              <a:t> </a:t>
+            </a:r>
+            <a:r>
+              <a:rPr lang="fr-FR" sz="1400" dirty="0" err="1" smtClean="0">
+                <a:solidFill>
+                  <a:schemeClr val="tx1"/>
+                </a:solidFill>
+              </a:rPr>
+              <a:t>predictor</a:t>
+            </a:r>
+            <a:r>
+              <a:rPr lang="fr-FR" sz="1400" dirty="0" smtClean="0">
+                <a:solidFill>
+                  <a:schemeClr val="tx1"/>
+                </a:solidFill>
+              </a:rPr>
+              <a:t> on the </a:t>
+            </a:r>
+            <a:r>
+              <a:rPr lang="fr-FR" sz="1400" dirty="0" err="1" smtClean="0">
+                <a:solidFill>
+                  <a:schemeClr val="tx1"/>
+                </a:solidFill>
+              </a:rPr>
+              <a:t>price</a:t>
+            </a:r>
+            <a:r>
+              <a:rPr lang="fr-FR" sz="1400" dirty="0" smtClean="0">
+                <a:solidFill>
+                  <a:schemeClr val="tx1"/>
+                </a:solidFill>
+              </a:rPr>
+              <a:t> </a:t>
+            </a:r>
+            <a:r>
+              <a:rPr lang="fr-FR" sz="1400" dirty="0" err="1" smtClean="0">
+                <a:solidFill>
+                  <a:schemeClr val="tx1"/>
+                </a:solidFill>
+              </a:rPr>
+              <a:t>is</a:t>
+            </a:r>
+            <a:r>
+              <a:rPr lang="fr-FR" sz="1400" dirty="0" smtClean="0">
+                <a:solidFill>
+                  <a:schemeClr val="tx1"/>
+                </a:solidFill>
+              </a:rPr>
+              <a:t> not the </a:t>
+            </a:r>
+            <a:r>
+              <a:rPr lang="fr-FR" sz="1400" dirty="0" err="1" smtClean="0">
+                <a:solidFill>
+                  <a:schemeClr val="tx1"/>
+                </a:solidFill>
+              </a:rPr>
+              <a:t>same</a:t>
+            </a:r>
+            <a:r>
+              <a:rPr lang="fr-FR" sz="1400" dirty="0" smtClean="0">
+                <a:solidFill>
+                  <a:schemeClr val="tx1"/>
+                </a:solidFill>
+              </a:rPr>
+              <a:t> </a:t>
+            </a:r>
+            <a:r>
+              <a:rPr lang="fr-FR" sz="1400" dirty="0" err="1" smtClean="0">
+                <a:solidFill>
+                  <a:schemeClr val="tx1"/>
+                </a:solidFill>
+              </a:rPr>
+              <a:t>between</a:t>
+            </a:r>
+            <a:r>
+              <a:rPr lang="fr-FR" sz="1400" dirty="0" smtClean="0">
+                <a:solidFill>
+                  <a:schemeClr val="tx1"/>
+                </a:solidFill>
+              </a:rPr>
+              <a:t> </a:t>
+            </a:r>
+            <a:r>
+              <a:rPr lang="fr-FR" sz="1400" dirty="0" err="1" smtClean="0">
+                <a:solidFill>
+                  <a:schemeClr val="tx1"/>
+                </a:solidFill>
+              </a:rPr>
+              <a:t>each</a:t>
+            </a:r>
+            <a:r>
+              <a:rPr lang="fr-FR" sz="1400" dirty="0" smtClean="0">
+                <a:solidFill>
+                  <a:schemeClr val="tx1"/>
+                </a:solidFill>
+              </a:rPr>
+              <a:t> city.</a:t>
+            </a:r>
+          </a:p>
+          <a:p>
+            <a:pPr marL="82550" indent="-82550">
+              <a:buFont typeface="Arial" panose="020B0604020202020204" pitchFamily="34" charset="0"/>
+              <a:buChar char="•"/>
+            </a:pPr>
+            <a:r>
+              <a:rPr lang="fr-FR" sz="1400" dirty="0" smtClean="0">
+                <a:solidFill>
+                  <a:schemeClr val="tx1"/>
+                </a:solidFill>
+              </a:rPr>
+              <a:t>Building n </a:t>
+            </a:r>
+            <a:r>
+              <a:rPr lang="fr-FR" sz="1400" dirty="0" err="1" smtClean="0">
+                <a:solidFill>
+                  <a:schemeClr val="tx1"/>
+                </a:solidFill>
+              </a:rPr>
+              <a:t>models</a:t>
+            </a:r>
+            <a:r>
+              <a:rPr lang="fr-FR" sz="1400" dirty="0" smtClean="0">
+                <a:solidFill>
+                  <a:schemeClr val="tx1"/>
+                </a:solidFill>
+              </a:rPr>
+              <a:t> for n clusters </a:t>
+            </a:r>
+            <a:r>
+              <a:rPr lang="fr-FR" sz="1400" dirty="0" err="1" smtClean="0">
+                <a:solidFill>
+                  <a:schemeClr val="tx1"/>
+                </a:solidFill>
+              </a:rPr>
+              <a:t>build</a:t>
+            </a:r>
+            <a:r>
+              <a:rPr lang="fr-FR" sz="1400" dirty="0" smtClean="0">
+                <a:solidFill>
+                  <a:schemeClr val="tx1"/>
+                </a:solidFill>
+              </a:rPr>
+              <a:t> in the </a:t>
+            </a:r>
+            <a:r>
+              <a:rPr lang="fr-FR" sz="1400" b="1" dirty="0" smtClean="0">
+                <a:solidFill>
+                  <a:schemeClr val="tx2"/>
+                </a:solidFill>
+              </a:rPr>
+              <a:t>[3]</a:t>
+            </a:r>
+          </a:p>
+        </p:txBody>
+      </p:sp>
+      <p:sp>
+        <p:nvSpPr>
+          <p:cNvPr id="11" name="ZoneTexte 10"/>
+          <p:cNvSpPr txBox="1"/>
+          <p:nvPr/>
+        </p:nvSpPr>
+        <p:spPr>
+          <a:xfrm>
+            <a:off x="783766" y="1186531"/>
+            <a:ext cx="2838203" cy="246221"/>
+          </a:xfrm>
+          <a:prstGeom prst="rect">
+            <a:avLst/>
+          </a:prstGeom>
+          <a:noFill/>
+        </p:spPr>
+        <p:txBody>
+          <a:bodyPr wrap="square" lIns="0" tIns="0" rIns="0" bIns="0" rtlCol="0">
+            <a:spAutoFit/>
+          </a:bodyPr>
+          <a:lstStyle/>
+          <a:p>
+            <a:r>
+              <a:rPr lang="fr-FR" sz="1600" b="1" dirty="0">
+                <a:solidFill>
+                  <a:schemeClr val="tx2"/>
+                </a:solidFill>
+                <a:latin typeface="Arial" pitchFamily="34" charset="0"/>
+                <a:cs typeface="Arial" pitchFamily="34" charset="0"/>
+              </a:rPr>
+              <a:t>6</a:t>
+            </a:r>
+            <a:r>
+              <a:rPr lang="fr-FR" sz="1600" b="1" dirty="0" smtClean="0">
+                <a:solidFill>
+                  <a:schemeClr val="tx2"/>
+                </a:solidFill>
+                <a:latin typeface="Arial" pitchFamily="34" charset="0"/>
+                <a:cs typeface="Arial" pitchFamily="34" charset="0"/>
+              </a:rPr>
+              <a:t>.Modelling </a:t>
+            </a:r>
+            <a:r>
+              <a:rPr lang="fr-FR" sz="1600" b="1" dirty="0" smtClean="0">
+                <a:solidFill>
+                  <a:schemeClr val="tx2"/>
+                </a:solidFill>
+                <a:latin typeface="Arial" pitchFamily="34" charset="0"/>
+                <a:cs typeface="Arial" pitchFamily="34" charset="0"/>
+              </a:rPr>
+              <a:t>phase </a:t>
+            </a:r>
+            <a:r>
+              <a:rPr lang="fr-FR" sz="1600" b="1" dirty="0" smtClean="0">
+                <a:solidFill>
+                  <a:schemeClr val="tx2"/>
+                </a:solidFill>
+                <a:latin typeface="Arial" pitchFamily="34" charset="0"/>
+                <a:cs typeface="Arial" pitchFamily="34" charset="0"/>
+              </a:rPr>
+              <a:t>3</a:t>
             </a:r>
             <a:endParaRPr lang="fr-FR" sz="1600" b="1" dirty="0" smtClean="0">
               <a:solidFill>
